--- a/temp/vehicle plate recognition.pptx
+++ b/temp/vehicle plate recognition.pptx
@@ -17,8 +17,8 @@
     <p:sldId id="264" r:id="rId11"/>
     <p:sldId id="265" r:id="rId12"/>
     <p:sldId id="268" r:id="rId13"/>
-    <p:sldId id="266" r:id="rId14"/>
-    <p:sldId id="269" r:id="rId15"/>
+    <p:sldId id="269" r:id="rId14"/>
+    <p:sldId id="266" r:id="rId15"/>
     <p:sldId id="271" r:id="rId16"/>
   </p:sldIdLst>
   <p:sldSz cx="12192000" cy="6858000"/>
@@ -635,7 +635,7 @@
           <a:p>
             <a:fld id="{C021C5E5-0F84-4955-BCDE-7F8CAD1E5629}" type="datetimeFigureOut">
               <a:rPr lang="zh-CN" altLang="en-US" smtClean="0"/>
-              <a:t>2016/11/6</a:t>
+              <a:t>2016/11/29</a:t>
             </a:fld>
             <a:endParaRPr lang="zh-CN" altLang="en-US"/>
           </a:p>
@@ -819,7 +819,7 @@
           <a:p>
             <a:fld id="{C021C5E5-0F84-4955-BCDE-7F8CAD1E5629}" type="datetimeFigureOut">
               <a:rPr lang="zh-CN" altLang="en-US" smtClean="0"/>
-              <a:t>2016/11/6</a:t>
+              <a:t>2016/11/29</a:t>
             </a:fld>
             <a:endParaRPr lang="zh-CN" altLang="en-US"/>
           </a:p>
@@ -999,7 +999,7 @@
           <a:p>
             <a:fld id="{C021C5E5-0F84-4955-BCDE-7F8CAD1E5629}" type="datetimeFigureOut">
               <a:rPr lang="zh-CN" altLang="en-US" smtClean="0"/>
-              <a:t>2016/11/6</a:t>
+              <a:t>2016/11/29</a:t>
             </a:fld>
             <a:endParaRPr lang="zh-CN" altLang="en-US"/>
           </a:p>
@@ -1174,7 +1174,7 @@
           <a:p>
             <a:fld id="{C021C5E5-0F84-4955-BCDE-7F8CAD1E5629}" type="datetimeFigureOut">
               <a:rPr lang="zh-CN" altLang="en-US" smtClean="0"/>
-              <a:t>2016/11/6</a:t>
+              <a:t>2016/11/29</a:t>
             </a:fld>
             <a:endParaRPr lang="zh-CN" altLang="en-US"/>
           </a:p>
@@ -1495,7 +1495,7 @@
           <a:p>
             <a:fld id="{C021C5E5-0F84-4955-BCDE-7F8CAD1E5629}" type="datetimeFigureOut">
               <a:rPr lang="zh-CN" altLang="en-US" smtClean="0"/>
-              <a:t>2016/11/6</a:t>
+              <a:t>2016/11/29</a:t>
             </a:fld>
             <a:endParaRPr lang="zh-CN" altLang="en-US"/>
           </a:p>
@@ -1960,7 +1960,7 @@
           <a:p>
             <a:fld id="{C021C5E5-0F84-4955-BCDE-7F8CAD1E5629}" type="datetimeFigureOut">
               <a:rPr lang="zh-CN" altLang="en-US" smtClean="0"/>
-              <a:t>2016/11/6</a:t>
+              <a:t>2016/11/29</a:t>
             </a:fld>
             <a:endParaRPr lang="zh-CN" altLang="en-US"/>
           </a:p>
@@ -2376,7 +2376,7 @@
           <a:p>
             <a:fld id="{C021C5E5-0F84-4955-BCDE-7F8CAD1E5629}" type="datetimeFigureOut">
               <a:rPr lang="zh-CN" altLang="en-US" smtClean="0"/>
-              <a:t>2016/11/6</a:t>
+              <a:t>2016/11/29</a:t>
             </a:fld>
             <a:endParaRPr lang="zh-CN" altLang="en-US"/>
           </a:p>
@@ -2499,7 +2499,7 @@
           <a:p>
             <a:fld id="{C021C5E5-0F84-4955-BCDE-7F8CAD1E5629}" type="datetimeFigureOut">
               <a:rPr lang="zh-CN" altLang="en-US" smtClean="0"/>
-              <a:t>2016/11/6</a:t>
+              <a:t>2016/11/29</a:t>
             </a:fld>
             <a:endParaRPr lang="zh-CN" altLang="en-US"/>
           </a:p>
@@ -2617,7 +2617,7 @@
           <a:p>
             <a:fld id="{C021C5E5-0F84-4955-BCDE-7F8CAD1E5629}" type="datetimeFigureOut">
               <a:rPr lang="zh-CN" altLang="en-US" smtClean="0"/>
-              <a:t>2016/11/6</a:t>
+              <a:t>2016/11/29</a:t>
             </a:fld>
             <a:endParaRPr lang="zh-CN" altLang="en-US"/>
           </a:p>
@@ -2980,7 +2980,7 @@
           <a:p>
             <a:fld id="{C021C5E5-0F84-4955-BCDE-7F8CAD1E5629}" type="datetimeFigureOut">
               <a:rPr lang="zh-CN" altLang="en-US" smtClean="0"/>
-              <a:t>2016/11/6</a:t>
+              <a:t>2016/11/29</a:t>
             </a:fld>
             <a:endParaRPr lang="zh-CN" altLang="en-US"/>
           </a:p>
@@ -3492,7 +3492,7 @@
           <a:p>
             <a:fld id="{C021C5E5-0F84-4955-BCDE-7F8CAD1E5629}" type="datetimeFigureOut">
               <a:rPr lang="zh-CN" altLang="en-US" smtClean="0"/>
-              <a:t>2016/11/6</a:t>
+              <a:t>2016/11/29</a:t>
             </a:fld>
             <a:endParaRPr lang="zh-CN" altLang="en-US"/>
           </a:p>
@@ -3850,7 +3850,7 @@
           <a:p>
             <a:fld id="{C021C5E5-0F84-4955-BCDE-7F8CAD1E5629}" type="datetimeFigureOut">
               <a:rPr lang="zh-CN" altLang="en-US" smtClean="0"/>
-              <a:t>2016/11/6</a:t>
+              <a:t>2016/11/29</a:t>
             </a:fld>
             <a:endParaRPr lang="zh-CN" altLang="en-US"/>
           </a:p>
@@ -5156,6 +5156,120 @@
           <a:lstStyle/>
           <a:p>
             <a:r>
+              <a:rPr kumimoji="1" lang="en-US" altLang="zh-CN" dirty="0"/>
+              <a:t>MATCH CHARACTERS</a:t>
+            </a:r>
+            <a:endParaRPr kumimoji="1" lang="zh-CN" altLang="en-US" dirty="0"/>
+          </a:p>
+        </p:txBody>
+      </p:sp>
+      <p:sp>
+        <p:nvSpPr>
+          <p:cNvPr id="3" name="内容占位符 2"/>
+          <p:cNvSpPr>
+            <a:spLocks noGrp="1"/>
+          </p:cNvSpPr>
+          <p:nvPr>
+            <p:ph idx="1"/>
+          </p:nvPr>
+        </p:nvSpPr>
+        <p:spPr/>
+        <p:txBody>
+          <a:bodyPr/>
+          <a:lstStyle/>
+          <a:p>
+            <a:r>
+              <a:rPr kumimoji="1" lang="en-US" altLang="zh-CN" sz="2200" b="1" dirty="0"/>
+              <a:t>Train model</a:t>
+            </a:r>
+          </a:p>
+          <a:p>
+            <a:pPr lvl="1"/>
+            <a:r>
+              <a:rPr kumimoji="1" lang="en-US" altLang="zh-CN" sz="2000" dirty="0"/>
+              <a:t>we have to train every word and some find of fonts as images.</a:t>
+            </a:r>
+            <a:r>
+              <a:rPr kumimoji="1" lang="zh-CN" altLang="en-US" sz="2000" dirty="0"/>
+              <a:t> </a:t>
+            </a:r>
+            <a:endParaRPr kumimoji="1" lang="en-US" altLang="zh-CN" sz="2000" dirty="0"/>
+          </a:p>
+          <a:p>
+            <a:r>
+              <a:rPr kumimoji="1" lang="en-US" altLang="zh-CN" sz="2200" b="1" dirty="0"/>
+              <a:t>Extract words</a:t>
+            </a:r>
+          </a:p>
+          <a:p>
+            <a:pPr lvl="1"/>
+            <a:r>
+              <a:rPr kumimoji="1" lang="en-US" altLang="zh-CN" sz="2000" dirty="0"/>
+              <a:t>cut out each word from plate as images</a:t>
+            </a:r>
+          </a:p>
+          <a:p>
+            <a:r>
+              <a:rPr kumimoji="1" lang="en-US" altLang="zh-CN" sz="2200" b="1" dirty="0"/>
+              <a:t>Match</a:t>
+            </a:r>
+            <a:endParaRPr kumimoji="1" lang="en-US" altLang="zh-CN" b="1" dirty="0"/>
+          </a:p>
+          <a:p>
+            <a:pPr lvl="1"/>
+            <a:r>
+              <a:rPr kumimoji="1" lang="en-US" altLang="zh-CN" sz="2000" dirty="0"/>
+              <a:t>Match each word pic and models, then output character.</a:t>
+            </a:r>
+          </a:p>
+        </p:txBody>
+      </p:sp>
+    </p:spTree>
+    <p:extLst>
+      <p:ext uri="{BB962C8B-B14F-4D97-AF65-F5344CB8AC3E}">
+        <p14:creationId xmlns:p14="http://schemas.microsoft.com/office/powerpoint/2010/main" val="990977328"/>
+      </p:ext>
+    </p:extLst>
+  </p:cSld>
+  <p:clrMapOvr>
+    <a:masterClrMapping/>
+  </p:clrMapOvr>
+</p:sld>
+</file>
+
+<file path=ppt/slides/slide14.xml><?xml version="1.0" encoding="utf-8"?>
+<p:sld xmlns:a="http://schemas.openxmlformats.org/drawingml/2006/main" xmlns:r="http://schemas.openxmlformats.org/officeDocument/2006/relationships" xmlns:p="http://schemas.openxmlformats.org/presentationml/2006/main">
+  <p:cSld>
+    <p:spTree>
+      <p:nvGrpSpPr>
+        <p:cNvPr id="1" name=""/>
+        <p:cNvGrpSpPr/>
+        <p:nvPr/>
+      </p:nvGrpSpPr>
+      <p:grpSpPr>
+        <a:xfrm>
+          <a:off x="0" y="0"/>
+          <a:ext cx="0" cy="0"/>
+          <a:chOff x="0" y="0"/>
+          <a:chExt cx="0" cy="0"/>
+        </a:xfrm>
+      </p:grpSpPr>
+      <p:sp>
+        <p:nvSpPr>
+          <p:cNvPr id="2" name="标题 1"/>
+          <p:cNvSpPr>
+            <a:spLocks noGrp="1"/>
+          </p:cNvSpPr>
+          <p:nvPr>
+            <p:ph type="title"/>
+          </p:nvPr>
+        </p:nvSpPr>
+        <p:spPr/>
+        <p:txBody>
+          <a:bodyPr/>
+          <a:lstStyle/>
+          <a:p>
+            <a:r>
               <a:rPr lang="en-US" altLang="zh-CN" dirty="0"/>
               <a:t>Other examples</a:t>
             </a:r>
@@ -5443,254 +5557,6 @@
     <p:extLst>
       <p:ext uri="{BB962C8B-B14F-4D97-AF65-F5344CB8AC3E}">
         <p14:creationId xmlns:p14="http://schemas.microsoft.com/office/powerpoint/2010/main" val="1062258023"/>
-      </p:ext>
-    </p:extLst>
-  </p:cSld>
-  <p:clrMapOvr>
-    <a:masterClrMapping/>
-  </p:clrMapOvr>
-</p:sld>
-</file>
-
-<file path=ppt/slides/slide14.xml><?xml version="1.0" encoding="utf-8"?>
-<p:sld xmlns:a="http://schemas.openxmlformats.org/drawingml/2006/main" xmlns:r="http://schemas.openxmlformats.org/officeDocument/2006/relationships" xmlns:p="http://schemas.openxmlformats.org/presentationml/2006/main">
-  <p:cSld>
-    <p:spTree>
-      <p:nvGrpSpPr>
-        <p:cNvPr id="1" name=""/>
-        <p:cNvGrpSpPr/>
-        <p:nvPr/>
-      </p:nvGrpSpPr>
-      <p:grpSpPr>
-        <a:xfrm>
-          <a:off x="0" y="0"/>
-          <a:ext cx="0" cy="0"/>
-          <a:chOff x="0" y="0"/>
-          <a:chExt cx="0" cy="0"/>
-        </a:xfrm>
-      </p:grpSpPr>
-      <p:sp>
-        <p:nvSpPr>
-          <p:cNvPr id="2" name="标题 1"/>
-          <p:cNvSpPr>
-            <a:spLocks noGrp="1"/>
-          </p:cNvSpPr>
-          <p:nvPr>
-            <p:ph type="title"/>
-          </p:nvPr>
-        </p:nvSpPr>
-        <p:spPr/>
-        <p:txBody>
-          <a:bodyPr/>
-          <a:lstStyle/>
-          <a:p>
-            <a:r>
-              <a:rPr kumimoji="1" lang="en-US" altLang="zh-CN" dirty="0"/>
-              <a:t>Pending</a:t>
-            </a:r>
-            <a:r>
-              <a:rPr kumimoji="1" lang="zh-CN" altLang="en-US" dirty="0"/>
-              <a:t> </a:t>
-            </a:r>
-            <a:r>
-              <a:rPr kumimoji="1" lang="en-US" altLang="zh-CN" dirty="0"/>
-              <a:t>problems</a:t>
-            </a:r>
-            <a:endParaRPr kumimoji="1" lang="zh-CN" altLang="en-US" dirty="0"/>
-          </a:p>
-        </p:txBody>
-      </p:sp>
-      <p:sp>
-        <p:nvSpPr>
-          <p:cNvPr id="3" name="内容占位符 2"/>
-          <p:cNvSpPr>
-            <a:spLocks noGrp="1"/>
-          </p:cNvSpPr>
-          <p:nvPr>
-            <p:ph idx="1"/>
-          </p:nvPr>
-        </p:nvSpPr>
-        <p:spPr/>
-        <p:txBody>
-          <a:bodyPr/>
-          <a:lstStyle/>
-          <a:p>
-            <a:r>
-              <a:rPr kumimoji="1" lang="en-US" altLang="zh-CN" sz="2400" b="1" dirty="0"/>
-              <a:t>Slope</a:t>
-            </a:r>
-            <a:r>
-              <a:rPr kumimoji="1" lang="zh-CN" altLang="en-US" sz="2400" b="1" dirty="0"/>
-              <a:t> </a:t>
-            </a:r>
-            <a:r>
-              <a:rPr kumimoji="1" lang="en-US" altLang="zh-CN" sz="2400" b="1" dirty="0"/>
-              <a:t>of</a:t>
-            </a:r>
-            <a:r>
-              <a:rPr kumimoji="1" lang="zh-CN" altLang="en-US" sz="2400" b="1" dirty="0"/>
-              <a:t> </a:t>
-            </a:r>
-            <a:r>
-              <a:rPr kumimoji="1" lang="en-US" altLang="zh-CN" sz="2400" b="1" dirty="0"/>
-              <a:t>the</a:t>
-            </a:r>
-            <a:r>
-              <a:rPr kumimoji="1" lang="zh-CN" altLang="en-US" sz="2400" b="1" dirty="0"/>
-              <a:t> </a:t>
-            </a:r>
-            <a:r>
-              <a:rPr kumimoji="1" lang="en-US" altLang="zh-CN" sz="2400" b="1" dirty="0"/>
-              <a:t>vehicle</a:t>
-            </a:r>
-            <a:r>
-              <a:rPr kumimoji="1" lang="zh-CN" altLang="en-US" sz="2400" b="1" dirty="0"/>
-              <a:t> </a:t>
-            </a:r>
-            <a:r>
-              <a:rPr kumimoji="1" lang="en-US" altLang="zh-CN" sz="2400" b="1" dirty="0"/>
-              <a:t>in</a:t>
-            </a:r>
-            <a:r>
-              <a:rPr kumimoji="1" lang="zh-CN" altLang="en-US" sz="2400" b="1" dirty="0"/>
-              <a:t> </a:t>
-            </a:r>
-            <a:r>
-              <a:rPr kumimoji="1" lang="en-US" altLang="zh-CN" sz="2400" b="1" dirty="0"/>
-              <a:t>image</a:t>
-            </a:r>
-          </a:p>
-          <a:p>
-            <a:endParaRPr kumimoji="1" lang="en-US" altLang="zh-CN" dirty="0"/>
-          </a:p>
-          <a:p>
-            <a:r>
-              <a:rPr kumimoji="1" lang="en-US" altLang="zh-CN" sz="2400" b="1" dirty="0"/>
-              <a:t>Similar</a:t>
-            </a:r>
-            <a:r>
-              <a:rPr kumimoji="1" lang="zh-CN" altLang="en-US" sz="2400" b="1" dirty="0"/>
-              <a:t> </a:t>
-            </a:r>
-            <a:r>
-              <a:rPr kumimoji="1" lang="en-US" altLang="zh-CN" sz="2400" b="1" dirty="0"/>
-              <a:t>characters</a:t>
-            </a:r>
-            <a:r>
-              <a:rPr kumimoji="1" lang="zh-CN" altLang="en-US" sz="2400" b="1" dirty="0"/>
-              <a:t> </a:t>
-            </a:r>
-            <a:r>
-              <a:rPr kumimoji="1" lang="en-US" altLang="zh-CN" sz="2400" b="1" dirty="0"/>
-              <a:t>detection,</a:t>
-            </a:r>
-          </a:p>
-          <a:p>
-            <a:pPr lvl="1"/>
-            <a:r>
-              <a:rPr kumimoji="1" lang="zh-CN" altLang="en-US" sz="2200" b="1" dirty="0"/>
-              <a:t> </a:t>
-            </a:r>
-            <a:r>
-              <a:rPr kumimoji="1" lang="en-US" altLang="zh-CN" sz="2200" b="1" dirty="0"/>
-              <a:t>such</a:t>
-            </a:r>
-            <a:r>
-              <a:rPr kumimoji="1" lang="zh-CN" altLang="en-US" sz="2200" b="1" dirty="0"/>
-              <a:t> </a:t>
-            </a:r>
-            <a:r>
-              <a:rPr kumimoji="1" lang="en-US" altLang="zh-CN" sz="2200" b="1" dirty="0"/>
-              <a:t>as</a:t>
-            </a:r>
-            <a:r>
-              <a:rPr kumimoji="1" lang="zh-CN" altLang="en-US" sz="2200" b="1" dirty="0"/>
-              <a:t> </a:t>
-            </a:r>
-            <a:r>
-              <a:rPr kumimoji="1" lang="en-US" altLang="zh-CN" sz="2200" b="1" dirty="0"/>
-              <a:t>“P”</a:t>
-            </a:r>
-            <a:r>
-              <a:rPr kumimoji="1" lang="zh-CN" altLang="en-US" sz="2200" b="1" dirty="0"/>
-              <a:t> </a:t>
-            </a:r>
-            <a:r>
-              <a:rPr kumimoji="1" lang="en-US" altLang="zh-CN" sz="2200" b="1" dirty="0"/>
-              <a:t>and</a:t>
-            </a:r>
-            <a:r>
-              <a:rPr kumimoji="1" lang="zh-CN" altLang="en-US" sz="2200" b="1" dirty="0"/>
-              <a:t> </a:t>
-            </a:r>
-            <a:r>
-              <a:rPr kumimoji="1" lang="en-US" altLang="zh-CN" sz="2200" b="1" dirty="0"/>
-              <a:t>“F”;</a:t>
-            </a:r>
-            <a:r>
-              <a:rPr kumimoji="1" lang="zh-CN" altLang="en-US" sz="2200" b="1" dirty="0"/>
-              <a:t> </a:t>
-            </a:r>
-            <a:r>
-              <a:rPr kumimoji="1" lang="en-US" altLang="zh-CN" sz="2200" b="1" dirty="0"/>
-              <a:t>“B”</a:t>
-            </a:r>
-            <a:r>
-              <a:rPr kumimoji="1" lang="zh-CN" altLang="en-US" sz="2200" b="1" dirty="0"/>
-              <a:t> </a:t>
-            </a:r>
-            <a:r>
-              <a:rPr kumimoji="1" lang="en-US" altLang="zh-CN" sz="2200" b="1" dirty="0"/>
-              <a:t>and</a:t>
-            </a:r>
-            <a:r>
-              <a:rPr kumimoji="1" lang="zh-CN" altLang="en-US" sz="2200" b="1" dirty="0"/>
-              <a:t> </a:t>
-            </a:r>
-            <a:r>
-              <a:rPr kumimoji="1" lang="en-US" altLang="zh-CN" sz="2200" b="1" dirty="0"/>
-              <a:t>“8”</a:t>
-            </a:r>
-            <a:r>
-              <a:rPr kumimoji="1" lang="zh-CN" altLang="en-US" sz="2200" b="1" dirty="0"/>
-              <a:t> </a:t>
-            </a:r>
-            <a:r>
-              <a:rPr kumimoji="1" lang="en-US" altLang="zh-CN" sz="2200" b="1" dirty="0"/>
-              <a:t>;</a:t>
-            </a:r>
-            <a:r>
-              <a:rPr kumimoji="1" lang="zh-CN" altLang="en-US" sz="2200" b="1" dirty="0"/>
-              <a:t> </a:t>
-            </a:r>
-            <a:r>
-              <a:rPr kumimoji="1" lang="en-US" altLang="zh-CN" sz="2200" b="1" dirty="0"/>
-              <a:t>“6”</a:t>
-            </a:r>
-            <a:r>
-              <a:rPr kumimoji="1" lang="zh-CN" altLang="en-US" sz="2200" b="1" dirty="0"/>
-              <a:t> </a:t>
-            </a:r>
-            <a:r>
-              <a:rPr kumimoji="1" lang="en-US" altLang="zh-CN" sz="2200" b="1" dirty="0"/>
-              <a:t>and</a:t>
-            </a:r>
-            <a:r>
-              <a:rPr kumimoji="1" lang="zh-CN" altLang="en-US" sz="2200" b="1" dirty="0"/>
-              <a:t> </a:t>
-            </a:r>
-            <a:r>
-              <a:rPr kumimoji="1" lang="en-US" altLang="zh-CN" sz="2200" b="1" dirty="0"/>
-              <a:t>“9”</a:t>
-            </a:r>
-            <a:endParaRPr kumimoji="1" lang="zh-CN" altLang="en-US" sz="2200" b="1" dirty="0"/>
-          </a:p>
-        </p:txBody>
-      </p:sp>
-    </p:spTree>
-    <p:extLst>
-      <p:ext uri="{BB962C8B-B14F-4D97-AF65-F5344CB8AC3E}">
-        <p14:creationId xmlns:p14="http://schemas.microsoft.com/office/powerpoint/2010/main" val="990977328"/>
       </p:ext>
     </p:extLst>
   </p:cSld>
